--- a/Operációs-rendszerek-IT-szolgáltatások.pptx
+++ b/Operációs-rendszerek-IT-szolgáltatások.pptx
@@ -28708,7 +28708,7 @@
                               <p:par>
                                 <p:cTn id="5" presetID="2" presetClass="entr" presetSubtype="12" fill="hold" nodeType="afterEffect">
                                   <p:stCondLst>
-                                    <p:cond delay="3000"/>
+                                    <p:cond delay="4500"/>
                                   </p:stCondLst>
                                   <p:childTnLst>
                                     <p:set>
